--- a/Recap_Präsi.pptx
+++ b/Recap_Präsi.pptx
@@ -114,7 +114,16 @@
       </a:defRPr>
     </a:lvl9pPr>
   </p:defaultTextStyle>
+  <p:extLst>
+    <p:ext uri="{EFAFB233-063F-42B5-8137-9DF3F51BA10A}">
+      <p15:sldGuideLst xmlns:p15="http://schemas.microsoft.com/office/powerpoint/2012/main"/>
+    </p:ext>
+  </p:extLst>
 </p:presentation>
+</file>
+
+<file path=ppt/revisionInfo.xml><?xml version="1.0" encoding="utf-8"?>
+<p1510:revInfo xmlns:a="http://schemas.openxmlformats.org/drawingml/2006/main" xmlns:r="http://schemas.openxmlformats.org/officeDocument/2006/relationships" xmlns:p1510="http://schemas.microsoft.com/office/powerpoint/2015/10/main"/>
 </file>
 
 <file path=ppt/changesInfos/changesInfo1.xml><?xml version="1.0" encoding="utf-8"?>
@@ -141,7 +150,7 @@
           </ac:spMkLst>
         </pc:spChg>
         <pc:spChg chg="del">
-          <ac:chgData name="Daniel" userId="83c87b516d5b4dbd" providerId="LiveId" clId="{E72E1B66-AB0C-4451-BC1C-9BFC360EB0EA}" dt="2018-03-21T09:59:04.209" v="4"/>
+          <ac:chgData name="Daniel" userId="83c87b516d5b4dbd" providerId="LiveId" clId="{E72E1B66-AB0C-4451-BC1C-9BFC360EB0EA}" dt="2018-03-21T09:59:04.209" v="4" actId="1076"/>
           <ac:spMkLst>
             <pc:docMk/>
             <pc:sldMk cId="2997379105" sldId="261"/>
@@ -158,7 +167,7 @@
         </pc:picChg>
       </pc:sldChg>
       <pc:sldChg chg="addSp modSp add modAnim">
-        <pc:chgData name="Daniel" userId="83c87b516d5b4dbd" providerId="LiveId" clId="{E72E1B66-AB0C-4451-BC1C-9BFC360EB0EA}" dt="2018-03-23T09:27:29.759" v="665"/>
+        <pc:chgData name="Daniel" userId="83c87b516d5b4dbd" providerId="LiveId" clId="{E72E1B66-AB0C-4451-BC1C-9BFC360EB0EA}" dt="2018-03-23T09:27:29.759" v="665" actId="1076"/>
         <pc:sldMkLst>
           <pc:docMk/>
           <pc:sldMk cId="1394429687" sldId="263"/>
@@ -180,7 +189,7 @@
           </ac:spMkLst>
         </pc:spChg>
         <pc:spChg chg="add mod">
-          <ac:chgData name="Daniel" userId="83c87b516d5b4dbd" providerId="LiveId" clId="{E72E1B66-AB0C-4451-BC1C-9BFC360EB0EA}" dt="2018-03-23T09:26:38.226" v="664"/>
+          <ac:chgData name="Daniel" userId="83c87b516d5b4dbd" providerId="LiveId" clId="{E72E1B66-AB0C-4451-BC1C-9BFC360EB0EA}" dt="2018-03-23T09:26:38.226" v="664" actId="1076"/>
           <ac:spMkLst>
             <pc:docMk/>
             <pc:sldMk cId="1394429687" sldId="263"/>
@@ -258,13 +267,13 @@
         </pc:spChg>
       </pc:sldChg>
       <pc:sldChg chg="modSp add">
-        <pc:chgData name="Daniel" userId="83c87b516d5b4dbd" providerId="LiveId" clId="{E72E1B66-AB0C-4451-BC1C-9BFC360EB0EA}" dt="2018-03-23T09:28:37.085" v="673"/>
+        <pc:chgData name="Daniel" userId="83c87b516d5b4dbd" providerId="LiveId" clId="{E72E1B66-AB0C-4451-BC1C-9BFC360EB0EA}" dt="2018-03-23T09:28:37.085" v="673" actId="1076"/>
         <pc:sldMkLst>
           <pc:docMk/>
           <pc:sldMk cId="3541602842" sldId="267"/>
         </pc:sldMkLst>
         <pc:spChg chg="mod">
-          <ac:chgData name="Daniel" userId="83c87b516d5b4dbd" providerId="LiveId" clId="{E72E1B66-AB0C-4451-BC1C-9BFC360EB0EA}" dt="2018-03-23T09:28:18.828" v="670"/>
+          <ac:chgData name="Daniel" userId="83c87b516d5b4dbd" providerId="LiveId" clId="{E72E1B66-AB0C-4451-BC1C-9BFC360EB0EA}" dt="2018-03-23T09:28:18.828" v="670" actId="1076"/>
           <ac:spMkLst>
             <pc:docMk/>
             <pc:sldMk cId="3541602842" sldId="267"/>
@@ -272,7 +281,7 @@
           </ac:spMkLst>
         </pc:spChg>
         <pc:spChg chg="mod">
-          <ac:chgData name="Daniel" userId="83c87b516d5b4dbd" providerId="LiveId" clId="{E72E1B66-AB0C-4451-BC1C-9BFC360EB0EA}" dt="2018-03-23T09:28:26.620" v="671"/>
+          <ac:chgData name="Daniel" userId="83c87b516d5b4dbd" providerId="LiveId" clId="{E72E1B66-AB0C-4451-BC1C-9BFC360EB0EA}" dt="2018-03-23T09:28:26.620" v="671" actId="1076"/>
           <ac:spMkLst>
             <pc:docMk/>
             <pc:sldMk cId="3541602842" sldId="267"/>
@@ -280,7 +289,7 @@
           </ac:spMkLst>
         </pc:spChg>
         <pc:spChg chg="mod">
-          <ac:chgData name="Daniel" userId="83c87b516d5b4dbd" providerId="LiveId" clId="{E72E1B66-AB0C-4451-BC1C-9BFC360EB0EA}" dt="2018-03-23T09:28:37.085" v="673"/>
+          <ac:chgData name="Daniel" userId="83c87b516d5b4dbd" providerId="LiveId" clId="{E72E1B66-AB0C-4451-BC1C-9BFC360EB0EA}" dt="2018-03-23T09:28:37.085" v="673" actId="1076"/>
           <ac:spMkLst>
             <pc:docMk/>
             <pc:sldMk cId="3541602842" sldId="267"/>
@@ -289,13 +298,13 @@
         </pc:spChg>
       </pc:sldChg>
       <pc:sldChg chg="modSp add">
-        <pc:chgData name="Daniel" userId="83c87b516d5b4dbd" providerId="LiveId" clId="{E72E1B66-AB0C-4451-BC1C-9BFC360EB0EA}" dt="2018-03-23T09:29:07.282" v="679"/>
+        <pc:chgData name="Daniel" userId="83c87b516d5b4dbd" providerId="LiveId" clId="{E72E1B66-AB0C-4451-BC1C-9BFC360EB0EA}" dt="2018-03-23T09:29:07.282" v="679" actId="1076"/>
         <pc:sldMkLst>
           <pc:docMk/>
           <pc:sldMk cId="3127879212" sldId="268"/>
         </pc:sldMkLst>
         <pc:spChg chg="mod">
-          <ac:chgData name="Daniel" userId="83c87b516d5b4dbd" providerId="LiveId" clId="{E72E1B66-AB0C-4451-BC1C-9BFC360EB0EA}" dt="2018-03-23T09:28:47.555" v="675"/>
+          <ac:chgData name="Daniel" userId="83c87b516d5b4dbd" providerId="LiveId" clId="{E72E1B66-AB0C-4451-BC1C-9BFC360EB0EA}" dt="2018-03-23T09:28:47.555" v="675" actId="1076"/>
           <ac:spMkLst>
             <pc:docMk/>
             <pc:sldMk cId="3127879212" sldId="268"/>
@@ -303,7 +312,7 @@
           </ac:spMkLst>
         </pc:spChg>
         <pc:spChg chg="mod">
-          <ac:chgData name="Daniel" userId="83c87b516d5b4dbd" providerId="LiveId" clId="{E72E1B66-AB0C-4451-BC1C-9BFC360EB0EA}" dt="2018-03-23T09:28:58.886" v="677"/>
+          <ac:chgData name="Daniel" userId="83c87b516d5b4dbd" providerId="LiveId" clId="{E72E1B66-AB0C-4451-BC1C-9BFC360EB0EA}" dt="2018-03-23T09:28:58.886" v="677" actId="1076"/>
           <ac:spMkLst>
             <pc:docMk/>
             <pc:sldMk cId="3127879212" sldId="268"/>
@@ -311,7 +320,7 @@
           </ac:spMkLst>
         </pc:spChg>
         <pc:spChg chg="mod">
-          <ac:chgData name="Daniel" userId="83c87b516d5b4dbd" providerId="LiveId" clId="{E72E1B66-AB0C-4451-BC1C-9BFC360EB0EA}" dt="2018-03-23T09:29:07.282" v="679"/>
+          <ac:chgData name="Daniel" userId="83c87b516d5b4dbd" providerId="LiveId" clId="{E72E1B66-AB0C-4451-BC1C-9BFC360EB0EA}" dt="2018-03-23T09:29:07.282" v="679" actId="1076"/>
           <ac:spMkLst>
             <pc:docMk/>
             <pc:sldMk cId="3127879212" sldId="268"/>
@@ -326,7 +335,7 @@
           <pc:sldMk cId="3524142266" sldId="269"/>
         </pc:sldMkLst>
         <pc:spChg chg="mod">
-          <ac:chgData name="Daniel" userId="83c87b516d5b4dbd" providerId="LiveId" clId="{E72E1B66-AB0C-4451-BC1C-9BFC360EB0EA}" dt="2018-03-23T09:28:53.509" v="676"/>
+          <ac:chgData name="Daniel" userId="83c87b516d5b4dbd" providerId="LiveId" clId="{E72E1B66-AB0C-4451-BC1C-9BFC360EB0EA}" dt="2018-03-23T09:28:53.509" v="676" actId="27636"/>
           <ac:spMkLst>
             <pc:docMk/>
             <pc:sldMk cId="3524142266" sldId="269"/>
@@ -334,7 +343,7 @@
           </ac:spMkLst>
         </pc:spChg>
         <pc:spChg chg="mod">
-          <ac:chgData name="Daniel" userId="83c87b516d5b4dbd" providerId="LiveId" clId="{E72E1B66-AB0C-4451-BC1C-9BFC360EB0EA}" dt="2018-03-23T09:29:19.640" v="682"/>
+          <ac:chgData name="Daniel" userId="83c87b516d5b4dbd" providerId="LiveId" clId="{E72E1B66-AB0C-4451-BC1C-9BFC360EB0EA}" dt="2018-03-23T09:29:19.640" v="682" actId="27636"/>
           <ac:spMkLst>
             <pc:docMk/>
             <pc:sldMk cId="3524142266" sldId="269"/>
@@ -365,7 +374,7 @@
           </ac:spMkLst>
         </pc:spChg>
         <pc:spChg chg="del">
-          <ac:chgData name="Daniel" userId="83c87b516d5b4dbd" providerId="LiveId" clId="{E72E1B66-AB0C-4451-BC1C-9BFC360EB0EA}" dt="2018-03-23T09:41:27.403" v="695"/>
+          <ac:chgData name="Daniel" userId="83c87b516d5b4dbd" providerId="LiveId" clId="{E72E1B66-AB0C-4451-BC1C-9BFC360EB0EA}" dt="2018-03-23T09:41:27.403" v="695" actId="1076"/>
           <ac:spMkLst>
             <pc:docMk/>
             <pc:sldMk cId="3708678661" sldId="270"/>
@@ -381,7 +390,7 @@
           </ac:spMkLst>
         </pc:spChg>
         <pc:spChg chg="add">
-          <ac:chgData name="Daniel" userId="83c87b516d5b4dbd" providerId="LiveId" clId="{E72E1B66-AB0C-4451-BC1C-9BFC360EB0EA}" dt="2018-03-23T09:52:12.656" v="771"/>
+          <ac:chgData name="Daniel" userId="83c87b516d5b4dbd" providerId="LiveId" clId="{E72E1B66-AB0C-4451-BC1C-9BFC360EB0EA}" dt="2018-03-23T09:52:12.656" v="771" actId="1076"/>
           <ac:spMkLst>
             <pc:docMk/>
             <pc:sldMk cId="3708678661" sldId="270"/>
@@ -639,7 +648,7 @@
           <a:p>
             <a:fld id="{FDB8E4AC-BF33-409C-865C-A936277D0CD0}" type="datetimeFigureOut">
               <a:rPr lang="de-CH" smtClean="0"/>
-              <a:t>21.03.2018</a:t>
+              <a:t>24.03.2018</a:t>
             </a:fld>
             <a:endParaRPr lang="de-CH"/>
           </a:p>
@@ -709,6 +718,18 @@
   <p:clrMapOvr>
     <a:masterClrMapping/>
   </p:clrMapOvr>
+  <mc:AlternateContent xmlns:mc="http://schemas.openxmlformats.org/markup-compatibility/2006">
+    <mc:Choice xmlns:p14="http://schemas.microsoft.com/office/powerpoint/2010/main" Requires="p14">
+      <p:transition spd="med" p14:dur="700">
+        <p:fade/>
+      </p:transition>
+    </mc:Choice>
+    <mc:Fallback>
+      <p:transition spd="med">
+        <p:fade/>
+      </p:transition>
+    </mc:Fallback>
+  </mc:AlternateContent>
 </p:sldLayout>
 </file>
 
@@ -839,7 +860,7 @@
           <a:p>
             <a:fld id="{FDB8E4AC-BF33-409C-865C-A936277D0CD0}" type="datetimeFigureOut">
               <a:rPr lang="de-CH" smtClean="0"/>
-              <a:t>21.03.2018</a:t>
+              <a:t>24.03.2018</a:t>
             </a:fld>
             <a:endParaRPr lang="de-CH"/>
           </a:p>
@@ -909,6 +930,18 @@
   <p:clrMapOvr>
     <a:masterClrMapping/>
   </p:clrMapOvr>
+  <mc:AlternateContent xmlns:mc="http://schemas.openxmlformats.org/markup-compatibility/2006">
+    <mc:Choice xmlns:p14="http://schemas.microsoft.com/office/powerpoint/2010/main" Requires="p14">
+      <p:transition spd="med" p14:dur="700">
+        <p:fade/>
+      </p:transition>
+    </mc:Choice>
+    <mc:Fallback>
+      <p:transition spd="med">
+        <p:fade/>
+      </p:transition>
+    </mc:Fallback>
+  </mc:AlternateContent>
 </p:sldLayout>
 </file>
 
@@ -1049,7 +1082,7 @@
           <a:p>
             <a:fld id="{FDB8E4AC-BF33-409C-865C-A936277D0CD0}" type="datetimeFigureOut">
               <a:rPr lang="de-CH" smtClean="0"/>
-              <a:t>21.03.2018</a:t>
+              <a:t>24.03.2018</a:t>
             </a:fld>
             <a:endParaRPr lang="de-CH"/>
           </a:p>
@@ -1119,6 +1152,18 @@
   <p:clrMapOvr>
     <a:masterClrMapping/>
   </p:clrMapOvr>
+  <mc:AlternateContent xmlns:mc="http://schemas.openxmlformats.org/markup-compatibility/2006">
+    <mc:Choice xmlns:p14="http://schemas.microsoft.com/office/powerpoint/2010/main" Requires="p14">
+      <p:transition spd="med" p14:dur="700">
+        <p:fade/>
+      </p:transition>
+    </mc:Choice>
+    <mc:Fallback>
+      <p:transition spd="med">
+        <p:fade/>
+      </p:transition>
+    </mc:Fallback>
+  </mc:AlternateContent>
 </p:sldLayout>
 </file>
 
@@ -1249,7 +1294,7 @@
           <a:p>
             <a:fld id="{FDB8E4AC-BF33-409C-865C-A936277D0CD0}" type="datetimeFigureOut">
               <a:rPr lang="de-CH" smtClean="0"/>
-              <a:t>21.03.2018</a:t>
+              <a:t>24.03.2018</a:t>
             </a:fld>
             <a:endParaRPr lang="de-CH"/>
           </a:p>
@@ -1319,6 +1364,18 @@
   <p:clrMapOvr>
     <a:masterClrMapping/>
   </p:clrMapOvr>
+  <mc:AlternateContent xmlns:mc="http://schemas.openxmlformats.org/markup-compatibility/2006">
+    <mc:Choice xmlns:p14="http://schemas.microsoft.com/office/powerpoint/2010/main" Requires="p14">
+      <p:transition spd="med" p14:dur="700">
+        <p:fade/>
+      </p:transition>
+    </mc:Choice>
+    <mc:Fallback>
+      <p:transition spd="med">
+        <p:fade/>
+      </p:transition>
+    </mc:Fallback>
+  </mc:AlternateContent>
 </p:sldLayout>
 </file>
 
@@ -1525,7 +1582,7 @@
           <a:p>
             <a:fld id="{FDB8E4AC-BF33-409C-865C-A936277D0CD0}" type="datetimeFigureOut">
               <a:rPr lang="de-CH" smtClean="0"/>
-              <a:t>21.03.2018</a:t>
+              <a:t>24.03.2018</a:t>
             </a:fld>
             <a:endParaRPr lang="de-CH"/>
           </a:p>
@@ -1595,6 +1652,18 @@
   <p:clrMapOvr>
     <a:masterClrMapping/>
   </p:clrMapOvr>
+  <mc:AlternateContent xmlns:mc="http://schemas.openxmlformats.org/markup-compatibility/2006">
+    <mc:Choice xmlns:p14="http://schemas.microsoft.com/office/powerpoint/2010/main" Requires="p14">
+      <p:transition spd="med" p14:dur="700">
+        <p:fade/>
+      </p:transition>
+    </mc:Choice>
+    <mc:Fallback>
+      <p:transition spd="med">
+        <p:fade/>
+      </p:transition>
+    </mc:Fallback>
+  </mc:AlternateContent>
 </p:sldLayout>
 </file>
 
@@ -1793,7 +1862,7 @@
           <a:p>
             <a:fld id="{FDB8E4AC-BF33-409C-865C-A936277D0CD0}" type="datetimeFigureOut">
               <a:rPr lang="de-CH" smtClean="0"/>
-              <a:t>21.03.2018</a:t>
+              <a:t>24.03.2018</a:t>
             </a:fld>
             <a:endParaRPr lang="de-CH"/>
           </a:p>
@@ -1863,6 +1932,18 @@
   <p:clrMapOvr>
     <a:masterClrMapping/>
   </p:clrMapOvr>
+  <mc:AlternateContent xmlns:mc="http://schemas.openxmlformats.org/markup-compatibility/2006">
+    <mc:Choice xmlns:p14="http://schemas.microsoft.com/office/powerpoint/2010/main" Requires="p14">
+      <p:transition spd="med" p14:dur="700">
+        <p:fade/>
+      </p:transition>
+    </mc:Choice>
+    <mc:Fallback>
+      <p:transition spd="med">
+        <p:fade/>
+      </p:transition>
+    </mc:Fallback>
+  </mc:AlternateContent>
 </p:sldLayout>
 </file>
 
@@ -2208,7 +2289,7 @@
           <a:p>
             <a:fld id="{FDB8E4AC-BF33-409C-865C-A936277D0CD0}" type="datetimeFigureOut">
               <a:rPr lang="de-CH" smtClean="0"/>
-              <a:t>21.03.2018</a:t>
+              <a:t>24.03.2018</a:t>
             </a:fld>
             <a:endParaRPr lang="de-CH"/>
           </a:p>
@@ -2278,6 +2359,18 @@
   <p:clrMapOvr>
     <a:masterClrMapping/>
   </p:clrMapOvr>
+  <mc:AlternateContent xmlns:mc="http://schemas.openxmlformats.org/markup-compatibility/2006">
+    <mc:Choice xmlns:p14="http://schemas.microsoft.com/office/powerpoint/2010/main" Requires="p14">
+      <p:transition spd="med" p14:dur="700">
+        <p:fade/>
+      </p:transition>
+    </mc:Choice>
+    <mc:Fallback>
+      <p:transition spd="med">
+        <p:fade/>
+      </p:transition>
+    </mc:Fallback>
+  </mc:AlternateContent>
 </p:sldLayout>
 </file>
 
@@ -2350,7 +2443,7 @@
           <a:p>
             <a:fld id="{FDB8E4AC-BF33-409C-865C-A936277D0CD0}" type="datetimeFigureOut">
               <a:rPr lang="de-CH" smtClean="0"/>
-              <a:t>21.03.2018</a:t>
+              <a:t>24.03.2018</a:t>
             </a:fld>
             <a:endParaRPr lang="de-CH"/>
           </a:p>
@@ -2420,6 +2513,18 @@
   <p:clrMapOvr>
     <a:masterClrMapping/>
   </p:clrMapOvr>
+  <mc:AlternateContent xmlns:mc="http://schemas.openxmlformats.org/markup-compatibility/2006">
+    <mc:Choice xmlns:p14="http://schemas.microsoft.com/office/powerpoint/2010/main" Requires="p14">
+      <p:transition spd="med" p14:dur="700">
+        <p:fade/>
+      </p:transition>
+    </mc:Choice>
+    <mc:Fallback>
+      <p:transition spd="med">
+        <p:fade/>
+      </p:transition>
+    </mc:Fallback>
+  </mc:AlternateContent>
 </p:sldLayout>
 </file>
 
@@ -2463,7 +2568,7 @@
           <a:p>
             <a:fld id="{FDB8E4AC-BF33-409C-865C-A936277D0CD0}" type="datetimeFigureOut">
               <a:rPr lang="de-CH" smtClean="0"/>
-              <a:t>21.03.2018</a:t>
+              <a:t>24.03.2018</a:t>
             </a:fld>
             <a:endParaRPr lang="de-CH"/>
           </a:p>
@@ -2533,6 +2638,18 @@
   <p:clrMapOvr>
     <a:masterClrMapping/>
   </p:clrMapOvr>
+  <mc:AlternateContent xmlns:mc="http://schemas.openxmlformats.org/markup-compatibility/2006">
+    <mc:Choice xmlns:p14="http://schemas.microsoft.com/office/powerpoint/2010/main" Requires="p14">
+      <p:transition spd="med" p14:dur="700">
+        <p:fade/>
+      </p:transition>
+    </mc:Choice>
+    <mc:Fallback>
+      <p:transition spd="med">
+        <p:fade/>
+      </p:transition>
+    </mc:Fallback>
+  </mc:AlternateContent>
 </p:sldLayout>
 </file>
 
@@ -2776,7 +2893,7 @@
           <a:p>
             <a:fld id="{FDB8E4AC-BF33-409C-865C-A936277D0CD0}" type="datetimeFigureOut">
               <a:rPr lang="de-CH" smtClean="0"/>
-              <a:t>21.03.2018</a:t>
+              <a:t>24.03.2018</a:t>
             </a:fld>
             <a:endParaRPr lang="de-CH"/>
           </a:p>
@@ -2846,6 +2963,18 @@
   <p:clrMapOvr>
     <a:masterClrMapping/>
   </p:clrMapOvr>
+  <mc:AlternateContent xmlns:mc="http://schemas.openxmlformats.org/markup-compatibility/2006">
+    <mc:Choice xmlns:p14="http://schemas.microsoft.com/office/powerpoint/2010/main" Requires="p14">
+      <p:transition spd="med" p14:dur="700">
+        <p:fade/>
+      </p:transition>
+    </mc:Choice>
+    <mc:Fallback>
+      <p:transition spd="med">
+        <p:fade/>
+      </p:transition>
+    </mc:Fallback>
+  </mc:AlternateContent>
 </p:sldLayout>
 </file>
 
@@ -3065,7 +3194,7 @@
           <a:p>
             <a:fld id="{FDB8E4AC-BF33-409C-865C-A936277D0CD0}" type="datetimeFigureOut">
               <a:rPr lang="de-CH" smtClean="0"/>
-              <a:t>21.03.2018</a:t>
+              <a:t>24.03.2018</a:t>
             </a:fld>
             <a:endParaRPr lang="de-CH"/>
           </a:p>
@@ -3135,6 +3264,18 @@
   <p:clrMapOvr>
     <a:masterClrMapping/>
   </p:clrMapOvr>
+  <mc:AlternateContent xmlns:mc="http://schemas.openxmlformats.org/markup-compatibility/2006">
+    <mc:Choice xmlns:p14="http://schemas.microsoft.com/office/powerpoint/2010/main" Requires="p14">
+      <p:transition spd="med" p14:dur="700">
+        <p:fade/>
+      </p:transition>
+    </mc:Choice>
+    <mc:Fallback>
+      <p:transition spd="med">
+        <p:fade/>
+      </p:transition>
+    </mc:Fallback>
+  </mc:AlternateContent>
 </p:sldLayout>
 </file>
 
@@ -3308,7 +3449,7 @@
           <a:p>
             <a:fld id="{FDB8E4AC-BF33-409C-865C-A936277D0CD0}" type="datetimeFigureOut">
               <a:rPr lang="de-CH" smtClean="0"/>
-              <a:t>21.03.2018</a:t>
+              <a:t>24.03.2018</a:t>
             </a:fld>
             <a:endParaRPr lang="de-CH"/>
           </a:p>
@@ -3425,6 +3566,18 @@
     <p:sldLayoutId id="2147483658" r:id="rId10"/>
     <p:sldLayoutId id="2147483659" r:id="rId11"/>
   </p:sldLayoutIdLst>
+  <mc:AlternateContent xmlns:mc="http://schemas.openxmlformats.org/markup-compatibility/2006">
+    <mc:Choice xmlns:p14="http://schemas.microsoft.com/office/powerpoint/2010/main" Requires="p14">
+      <p:transition spd="med" p14:dur="700">
+        <p:fade/>
+      </p:transition>
+    </mc:Choice>
+    <mc:Fallback>
+      <p:transition spd="med">
+        <p:fade/>
+      </p:transition>
+    </mc:Fallback>
+  </mc:AlternateContent>
   <p:txStyles>
     <p:titleStyle>
       <a:lvl1pPr algn="l" defTabSz="914400" rtl="0" eaLnBrk="1" latinLnBrk="0" hangingPunct="1">
@@ -3806,6 +3959,18 @@
   <p:clrMapOvr>
     <a:masterClrMapping/>
   </p:clrMapOvr>
+  <mc:AlternateContent xmlns:mc="http://schemas.openxmlformats.org/markup-compatibility/2006">
+    <mc:Choice xmlns:p14="http://schemas.microsoft.com/office/powerpoint/2010/main" Requires="p14">
+      <p:transition spd="med" p14:dur="700">
+        <p:fade/>
+      </p:transition>
+    </mc:Choice>
+    <mc:Fallback>
+      <p:transition spd="med">
+        <p:fade/>
+      </p:transition>
+    </mc:Fallback>
+  </mc:AlternateContent>
 </p:sld>
 </file>
 
@@ -4091,6 +4256,18 @@
   <p:clrMapOvr>
     <a:masterClrMapping/>
   </p:clrMapOvr>
+  <mc:AlternateContent xmlns:mc="http://schemas.openxmlformats.org/markup-compatibility/2006">
+    <mc:Choice xmlns:p14="http://schemas.microsoft.com/office/powerpoint/2010/main" Requires="p14">
+      <p:transition spd="med" p14:dur="700">
+        <p:fade/>
+      </p:transition>
+    </mc:Choice>
+    <mc:Fallback>
+      <p:transition spd="med">
+        <p:fade/>
+      </p:transition>
+    </mc:Fallback>
+  </mc:AlternateContent>
   <p:timing>
     <p:tnLst>
       <p:par>
@@ -4594,6 +4771,18 @@
   <p:clrMapOvr>
     <a:masterClrMapping/>
   </p:clrMapOvr>
+  <mc:AlternateContent xmlns:mc="http://schemas.openxmlformats.org/markup-compatibility/2006">
+    <mc:Choice xmlns:p14="http://schemas.microsoft.com/office/powerpoint/2010/main" Requires="p14">
+      <p:transition spd="med" p14:dur="700">
+        <p:fade/>
+      </p:transition>
+    </mc:Choice>
+    <mc:Fallback>
+      <p:transition spd="med">
+        <p:fade/>
+      </p:transition>
+    </mc:Fallback>
+  </mc:AlternateContent>
   <p:timing>
     <p:tnLst>
       <p:par>
@@ -4784,6 +4973,18 @@
   <p:clrMapOvr>
     <a:masterClrMapping/>
   </p:clrMapOvr>
+  <mc:AlternateContent xmlns:mc="http://schemas.openxmlformats.org/markup-compatibility/2006">
+    <mc:Choice xmlns:p14="http://schemas.microsoft.com/office/powerpoint/2010/main" Requires="p14">
+      <p:transition spd="med" p14:dur="700">
+        <p:fade/>
+      </p:transition>
+    </mc:Choice>
+    <mc:Fallback>
+      <p:transition spd="med">
+        <p:fade/>
+      </p:transition>
+    </mc:Fallback>
+  </mc:AlternateContent>
 </p:sld>
 </file>
 
@@ -4951,6 +5152,243 @@
   <p:clrMapOvr>
     <a:masterClrMapping/>
   </p:clrMapOvr>
+  <mc:AlternateContent xmlns:mc="http://schemas.openxmlformats.org/markup-compatibility/2006">
+    <mc:Choice xmlns:p14="http://schemas.microsoft.com/office/powerpoint/2010/main" Requires="p14">
+      <p:transition spd="med" p14:dur="700">
+        <p:fade/>
+      </p:transition>
+    </mc:Choice>
+    <mc:Fallback>
+      <p:transition spd="med">
+        <p:fade/>
+      </p:transition>
+    </mc:Fallback>
+  </mc:AlternateContent>
+  <p:timing>
+    <p:tnLst>
+      <p:par>
+        <p:cTn id="1" dur="indefinite" restart="never" nodeType="tmRoot">
+          <p:childTnLst>
+            <p:seq concurrent="1" nextAc="seek">
+              <p:cTn id="2" dur="indefinite" nodeType="mainSeq">
+                <p:childTnLst>
+                  <p:par>
+                    <p:cTn id="3" fill="hold">
+                      <p:stCondLst>
+                        <p:cond delay="indefinite"/>
+                        <p:cond evt="onBegin" delay="0">
+                          <p:tn val="2"/>
+                        </p:cond>
+                      </p:stCondLst>
+                      <p:childTnLst>
+                        <p:par>
+                          <p:cTn id="4" fill="hold">
+                            <p:stCondLst>
+                              <p:cond delay="0"/>
+                            </p:stCondLst>
+                            <p:childTnLst>
+                              <p:par>
+                                <p:cTn id="5" presetID="10" presetClass="entr" presetSubtype="0" fill="hold" nodeType="withEffect">
+                                  <p:stCondLst>
+                                    <p:cond delay="0"/>
+                                  </p:stCondLst>
+                                  <p:childTnLst>
+                                    <p:set>
+                                      <p:cBhvr>
+                                        <p:cTn id="6" dur="1" fill="hold">
+                                          <p:stCondLst>
+                                            <p:cond delay="0"/>
+                                          </p:stCondLst>
+                                        </p:cTn>
+                                        <p:tgtEl>
+                                          <p:spTgt spid="3">
+                                            <p:txEl>
+                                              <p:pRg st="1" end="1"/>
+                                            </p:txEl>
+                                          </p:spTgt>
+                                        </p:tgtEl>
+                                        <p:attrNameLst>
+                                          <p:attrName>style.visibility</p:attrName>
+                                        </p:attrNameLst>
+                                      </p:cBhvr>
+                                      <p:to>
+                                        <p:strVal val="visible"/>
+                                      </p:to>
+                                    </p:set>
+                                    <p:animEffect transition="in" filter="fade">
+                                      <p:cBhvr>
+                                        <p:cTn id="7" dur="500"/>
+                                        <p:tgtEl>
+                                          <p:spTgt spid="3">
+                                            <p:txEl>
+                                              <p:pRg st="1" end="1"/>
+                                            </p:txEl>
+                                          </p:spTgt>
+                                        </p:tgtEl>
+                                      </p:cBhvr>
+                                    </p:animEffect>
+                                  </p:childTnLst>
+                                </p:cTn>
+                              </p:par>
+                              <p:par>
+                                <p:cTn id="8" presetID="10" presetClass="entr" presetSubtype="0" fill="hold" nodeType="withEffect">
+                                  <p:stCondLst>
+                                    <p:cond delay="0"/>
+                                  </p:stCondLst>
+                                  <p:childTnLst>
+                                    <p:set>
+                                      <p:cBhvr>
+                                        <p:cTn id="9" dur="1" fill="hold">
+                                          <p:stCondLst>
+                                            <p:cond delay="0"/>
+                                          </p:stCondLst>
+                                        </p:cTn>
+                                        <p:tgtEl>
+                                          <p:spTgt spid="6"/>
+                                        </p:tgtEl>
+                                        <p:attrNameLst>
+                                          <p:attrName>style.visibility</p:attrName>
+                                        </p:attrNameLst>
+                                      </p:cBhvr>
+                                      <p:to>
+                                        <p:strVal val="visible"/>
+                                      </p:to>
+                                    </p:set>
+                                    <p:animEffect transition="in" filter="fade">
+                                      <p:cBhvr>
+                                        <p:cTn id="10" dur="500"/>
+                                        <p:tgtEl>
+                                          <p:spTgt spid="6"/>
+                                        </p:tgtEl>
+                                      </p:cBhvr>
+                                    </p:animEffect>
+                                  </p:childTnLst>
+                                </p:cTn>
+                              </p:par>
+                            </p:childTnLst>
+                          </p:cTn>
+                        </p:par>
+                      </p:childTnLst>
+                    </p:cTn>
+                  </p:par>
+                  <p:par>
+                    <p:cTn id="11" fill="hold">
+                      <p:stCondLst>
+                        <p:cond delay="indefinite"/>
+                      </p:stCondLst>
+                      <p:childTnLst>
+                        <p:par>
+                          <p:cTn id="12" fill="hold">
+                            <p:stCondLst>
+                              <p:cond delay="0"/>
+                            </p:stCondLst>
+                            <p:childTnLst>
+                              <p:par>
+                                <p:cTn id="13" presetID="10" presetClass="entr" presetSubtype="0" fill="hold" nodeType="clickEffect">
+                                  <p:stCondLst>
+                                    <p:cond delay="0"/>
+                                  </p:stCondLst>
+                                  <p:childTnLst>
+                                    <p:set>
+                                      <p:cBhvr>
+                                        <p:cTn id="14" dur="1" fill="hold">
+                                          <p:stCondLst>
+                                            <p:cond delay="0"/>
+                                          </p:stCondLst>
+                                        </p:cTn>
+                                        <p:tgtEl>
+                                          <p:spTgt spid="3">
+                                            <p:txEl>
+                                              <p:pRg st="5" end="5"/>
+                                            </p:txEl>
+                                          </p:spTgt>
+                                        </p:tgtEl>
+                                        <p:attrNameLst>
+                                          <p:attrName>style.visibility</p:attrName>
+                                        </p:attrNameLst>
+                                      </p:cBhvr>
+                                      <p:to>
+                                        <p:strVal val="visible"/>
+                                      </p:to>
+                                    </p:set>
+                                    <p:animEffect transition="in" filter="fade">
+                                      <p:cBhvr>
+                                        <p:cTn id="15" dur="500"/>
+                                        <p:tgtEl>
+                                          <p:spTgt spid="3">
+                                            <p:txEl>
+                                              <p:pRg st="5" end="5"/>
+                                            </p:txEl>
+                                          </p:spTgt>
+                                        </p:tgtEl>
+                                      </p:cBhvr>
+                                    </p:animEffect>
+                                  </p:childTnLst>
+                                </p:cTn>
+                              </p:par>
+                              <p:par>
+                                <p:cTn id="16" presetID="10" presetClass="entr" presetSubtype="0" fill="hold" nodeType="withEffect">
+                                  <p:stCondLst>
+                                    <p:cond delay="0"/>
+                                  </p:stCondLst>
+                                  <p:childTnLst>
+                                    <p:set>
+                                      <p:cBhvr>
+                                        <p:cTn id="17" dur="1" fill="hold">
+                                          <p:stCondLst>
+                                            <p:cond delay="0"/>
+                                          </p:stCondLst>
+                                        </p:cTn>
+                                        <p:tgtEl>
+                                          <p:spTgt spid="5"/>
+                                        </p:tgtEl>
+                                        <p:attrNameLst>
+                                          <p:attrName>style.visibility</p:attrName>
+                                        </p:attrNameLst>
+                                      </p:cBhvr>
+                                      <p:to>
+                                        <p:strVal val="visible"/>
+                                      </p:to>
+                                    </p:set>
+                                    <p:animEffect transition="in" filter="fade">
+                                      <p:cBhvr>
+                                        <p:cTn id="18" dur="500"/>
+                                        <p:tgtEl>
+                                          <p:spTgt spid="5"/>
+                                        </p:tgtEl>
+                                      </p:cBhvr>
+                                    </p:animEffect>
+                                  </p:childTnLst>
+                                </p:cTn>
+                              </p:par>
+                            </p:childTnLst>
+                          </p:cTn>
+                        </p:par>
+                      </p:childTnLst>
+                    </p:cTn>
+                  </p:par>
+                </p:childTnLst>
+              </p:cTn>
+              <p:prevCondLst>
+                <p:cond evt="onPrev" delay="0">
+                  <p:tgtEl>
+                    <p:sldTgt/>
+                  </p:tgtEl>
+                </p:cond>
+              </p:prevCondLst>
+              <p:nextCondLst>
+                <p:cond evt="onNext" delay="0">
+                  <p:tgtEl>
+                    <p:sldTgt/>
+                  </p:tgtEl>
+                </p:cond>
+              </p:nextCondLst>
+            </p:seq>
+          </p:childTnLst>
+        </p:cTn>
+      </p:par>
+    </p:tnLst>
+  </p:timing>
 </p:sld>
 </file>
 
@@ -5116,6 +5554,234 @@
   <p:clrMapOvr>
     <a:masterClrMapping/>
   </p:clrMapOvr>
+  <mc:AlternateContent xmlns:mc="http://schemas.openxmlformats.org/markup-compatibility/2006">
+    <mc:Choice xmlns:p14="http://schemas.microsoft.com/office/powerpoint/2010/main" Requires="p14">
+      <p:transition spd="med" p14:dur="700">
+        <p:fade/>
+      </p:transition>
+    </mc:Choice>
+    <mc:Fallback>
+      <p:transition spd="med">
+        <p:fade/>
+      </p:transition>
+    </mc:Fallback>
+  </mc:AlternateContent>
+  <p:timing>
+    <p:tnLst>
+      <p:par>
+        <p:cTn id="1" dur="indefinite" restart="never" nodeType="tmRoot">
+          <p:childTnLst>
+            <p:seq concurrent="1" nextAc="seek">
+              <p:cTn id="2" dur="indefinite" nodeType="mainSeq">
+                <p:childTnLst>
+                  <p:par>
+                    <p:cTn id="3" fill="hold">
+                      <p:stCondLst>
+                        <p:cond delay="indefinite"/>
+                        <p:cond evt="onBegin" delay="0">
+                          <p:tn val="2"/>
+                        </p:cond>
+                      </p:stCondLst>
+                      <p:childTnLst>
+                        <p:par>
+                          <p:cTn id="4" fill="hold">
+                            <p:stCondLst>
+                              <p:cond delay="0"/>
+                            </p:stCondLst>
+                            <p:childTnLst>
+                              <p:par>
+                                <p:cTn id="5" presetID="10" presetClass="entr" presetSubtype="0" fill="hold" nodeType="withEffect">
+                                  <p:stCondLst>
+                                    <p:cond delay="0"/>
+                                  </p:stCondLst>
+                                  <p:childTnLst>
+                                    <p:set>
+                                      <p:cBhvr>
+                                        <p:cTn id="6" dur="1" fill="hold">
+                                          <p:stCondLst>
+                                            <p:cond delay="0"/>
+                                          </p:stCondLst>
+                                        </p:cTn>
+                                        <p:tgtEl>
+                                          <p:spTgt spid="3">
+                                            <p:txEl>
+                                              <p:pRg st="2" end="2"/>
+                                            </p:txEl>
+                                          </p:spTgt>
+                                        </p:tgtEl>
+                                        <p:attrNameLst>
+                                          <p:attrName>style.visibility</p:attrName>
+                                        </p:attrNameLst>
+                                      </p:cBhvr>
+                                      <p:to>
+                                        <p:strVal val="visible"/>
+                                      </p:to>
+                                    </p:set>
+                                    <p:animEffect transition="in" filter="fade">
+                                      <p:cBhvr>
+                                        <p:cTn id="7" dur="500"/>
+                                        <p:tgtEl>
+                                          <p:spTgt spid="3">
+                                            <p:txEl>
+                                              <p:pRg st="2" end="2"/>
+                                            </p:txEl>
+                                          </p:spTgt>
+                                        </p:tgtEl>
+                                      </p:cBhvr>
+                                    </p:animEffect>
+                                  </p:childTnLst>
+                                </p:cTn>
+                              </p:par>
+                            </p:childTnLst>
+                          </p:cTn>
+                        </p:par>
+                      </p:childTnLst>
+                    </p:cTn>
+                  </p:par>
+                  <p:par>
+                    <p:cTn id="8" fill="hold">
+                      <p:stCondLst>
+                        <p:cond delay="indefinite"/>
+                      </p:stCondLst>
+                      <p:childTnLst>
+                        <p:par>
+                          <p:cTn id="9" fill="hold">
+                            <p:stCondLst>
+                              <p:cond delay="0"/>
+                            </p:stCondLst>
+                            <p:childTnLst>
+                              <p:par>
+                                <p:cTn id="10" presetID="10" presetClass="entr" presetSubtype="0" fill="hold" nodeType="clickEffect">
+                                  <p:stCondLst>
+                                    <p:cond delay="0"/>
+                                  </p:stCondLst>
+                                  <p:childTnLst>
+                                    <p:set>
+                                      <p:cBhvr>
+                                        <p:cTn id="11" dur="1" fill="hold">
+                                          <p:stCondLst>
+                                            <p:cond delay="0"/>
+                                          </p:stCondLst>
+                                        </p:cTn>
+                                        <p:tgtEl>
+                                          <p:spTgt spid="3">
+                                            <p:txEl>
+                                              <p:pRg st="4" end="4"/>
+                                            </p:txEl>
+                                          </p:spTgt>
+                                        </p:tgtEl>
+                                        <p:attrNameLst>
+                                          <p:attrName>style.visibility</p:attrName>
+                                        </p:attrNameLst>
+                                      </p:cBhvr>
+                                      <p:to>
+                                        <p:strVal val="visible"/>
+                                      </p:to>
+                                    </p:set>
+                                    <p:animEffect transition="in" filter="fade">
+                                      <p:cBhvr>
+                                        <p:cTn id="12" dur="500"/>
+                                        <p:tgtEl>
+                                          <p:spTgt spid="3">
+                                            <p:txEl>
+                                              <p:pRg st="4" end="4"/>
+                                            </p:txEl>
+                                          </p:spTgt>
+                                        </p:tgtEl>
+                                      </p:cBhvr>
+                                    </p:animEffect>
+                                  </p:childTnLst>
+                                </p:cTn>
+                              </p:par>
+                            </p:childTnLst>
+                          </p:cTn>
+                        </p:par>
+                      </p:childTnLst>
+                    </p:cTn>
+                  </p:par>
+                  <p:par>
+                    <p:cTn id="13" fill="hold">
+                      <p:stCondLst>
+                        <p:cond delay="indefinite"/>
+                      </p:stCondLst>
+                      <p:childTnLst>
+                        <p:par>
+                          <p:cTn id="14" fill="hold">
+                            <p:stCondLst>
+                              <p:cond delay="0"/>
+                            </p:stCondLst>
+                            <p:childTnLst>
+                              <p:par>
+                                <p:cTn id="15" presetID="10" presetClass="entr" presetSubtype="0" fill="hold" nodeType="clickEffect">
+                                  <p:stCondLst>
+                                    <p:cond delay="0"/>
+                                  </p:stCondLst>
+                                  <p:childTnLst>
+                                    <p:set>
+                                      <p:cBhvr>
+                                        <p:cTn id="16" dur="1" fill="hold">
+                                          <p:stCondLst>
+                                            <p:cond delay="0"/>
+                                          </p:stCondLst>
+                                        </p:cTn>
+                                        <p:tgtEl>
+                                          <p:spTgt spid="3">
+                                            <p:txEl>
+                                              <p:pRg st="6" end="6"/>
+                                            </p:txEl>
+                                          </p:spTgt>
+                                        </p:tgtEl>
+                                        <p:attrNameLst>
+                                          <p:attrName>style.visibility</p:attrName>
+                                        </p:attrNameLst>
+                                      </p:cBhvr>
+                                      <p:to>
+                                        <p:strVal val="visible"/>
+                                      </p:to>
+                                    </p:set>
+                                    <p:animEffect transition="in" filter="fade">
+                                      <p:cBhvr>
+                                        <p:cTn id="17" dur="500"/>
+                                        <p:tgtEl>
+                                          <p:spTgt spid="3">
+                                            <p:txEl>
+                                              <p:pRg st="6" end="6"/>
+                                            </p:txEl>
+                                          </p:spTgt>
+                                        </p:tgtEl>
+                                      </p:cBhvr>
+                                    </p:animEffect>
+                                  </p:childTnLst>
+                                </p:cTn>
+                              </p:par>
+                            </p:childTnLst>
+                          </p:cTn>
+                        </p:par>
+                      </p:childTnLst>
+                    </p:cTn>
+                  </p:par>
+                </p:childTnLst>
+              </p:cTn>
+              <p:prevCondLst>
+                <p:cond evt="onPrev" delay="0">
+                  <p:tgtEl>
+                    <p:sldTgt/>
+                  </p:tgtEl>
+                </p:cond>
+              </p:prevCondLst>
+              <p:nextCondLst>
+                <p:cond evt="onNext" delay="0">
+                  <p:tgtEl>
+                    <p:sldTgt/>
+                  </p:tgtEl>
+                </p:cond>
+              </p:nextCondLst>
+            </p:seq>
+          </p:childTnLst>
+        </p:cTn>
+      </p:par>
+    </p:tnLst>
+  </p:timing>
 </p:sld>
 </file>
 
@@ -5311,6 +5977,18 @@
   <p:clrMapOvr>
     <a:masterClrMapping/>
   </p:clrMapOvr>
+  <mc:AlternateContent xmlns:mc="http://schemas.openxmlformats.org/markup-compatibility/2006">
+    <mc:Choice xmlns:p14="http://schemas.microsoft.com/office/powerpoint/2010/main" Requires="p14">
+      <p:transition spd="med" p14:dur="700">
+        <p:fade/>
+      </p:transition>
+    </mc:Choice>
+    <mc:Fallback>
+      <p:transition spd="med">
+        <p:fade/>
+      </p:transition>
+    </mc:Fallback>
+  </mc:AlternateContent>
 </p:sld>
 </file>
 
@@ -5401,6 +6079,18 @@
   <p:clrMapOvr>
     <a:masterClrMapping/>
   </p:clrMapOvr>
+  <mc:AlternateContent xmlns:mc="http://schemas.openxmlformats.org/markup-compatibility/2006">
+    <mc:Choice xmlns:p14="http://schemas.microsoft.com/office/powerpoint/2010/main" Requires="p14">
+      <p:transition spd="med" p14:dur="700">
+        <p:fade/>
+      </p:transition>
+    </mc:Choice>
+    <mc:Fallback>
+      <p:transition spd="med">
+        <p:fade/>
+      </p:transition>
+    </mc:Fallback>
+  </mc:AlternateContent>
 </p:sld>
 </file>
 
@@ -5950,6 +6640,18 @@
   <p:clrMapOvr>
     <a:masterClrMapping/>
   </p:clrMapOvr>
+  <mc:AlternateContent xmlns:mc="http://schemas.openxmlformats.org/markup-compatibility/2006">
+    <mc:Choice xmlns:p14="http://schemas.microsoft.com/office/powerpoint/2010/main" Requires="p14">
+      <p:transition spd="med" p14:dur="700">
+        <p:fade/>
+      </p:transition>
+    </mc:Choice>
+    <mc:Fallback>
+      <p:transition spd="med">
+        <p:fade/>
+      </p:transition>
+    </mc:Fallback>
+  </mc:AlternateContent>
 </p:sld>
 </file>
 
@@ -6331,6 +7033,18 @@
   <p:clrMapOvr>
     <a:masterClrMapping/>
   </p:clrMapOvr>
+  <mc:AlternateContent xmlns:mc="http://schemas.openxmlformats.org/markup-compatibility/2006">
+    <mc:Choice xmlns:p14="http://schemas.microsoft.com/office/powerpoint/2010/main" Requires="p14">
+      <p:transition spd="med" p14:dur="700">
+        <p:fade/>
+      </p:transition>
+    </mc:Choice>
+    <mc:Fallback>
+      <p:transition spd="med">
+        <p:fade/>
+      </p:transition>
+    </mc:Fallback>
+  </mc:AlternateContent>
   <p:timing>
     <p:tnLst>
       <p:par>
@@ -6779,6 +7493,18 @@
   <p:clrMapOvr>
     <a:masterClrMapping/>
   </p:clrMapOvr>
+  <mc:AlternateContent xmlns:mc="http://schemas.openxmlformats.org/markup-compatibility/2006">
+    <mc:Choice xmlns:p14="http://schemas.microsoft.com/office/powerpoint/2010/main" Requires="p14">
+      <p:transition spd="med" p14:dur="700">
+        <p:fade/>
+      </p:transition>
+    </mc:Choice>
+    <mc:Fallback>
+      <p:transition spd="med">
+        <p:fade/>
+      </p:transition>
+    </mc:Fallback>
+  </mc:AlternateContent>
   <p:timing>
     <p:tnLst>
       <p:par>
